--- a/rough-diag.pptx
+++ b/rough-diag.pptx
@@ -5,7 +5,7 @@
     <p:sldMasterId id="2147483648" r:id="rId1"/>
   </p:sldMasterIdLst>
   <p:notesMasterIdLst>
-    <p:notesMasterId r:id="rId8"/>
+    <p:notesMasterId r:id="rId11"/>
   </p:notesMasterIdLst>
   <p:sldIdLst>
     <p:sldId id="712" r:id="rId2"/>
@@ -14,6 +14,9 @@
     <p:sldId id="715" r:id="rId5"/>
     <p:sldId id="716" r:id="rId6"/>
     <p:sldId id="717" r:id="rId7"/>
+    <p:sldId id="718" r:id="rId8"/>
+    <p:sldId id="719" r:id="rId9"/>
+    <p:sldId id="720" r:id="rId10"/>
   </p:sldIdLst>
   <p:sldSz cx="9144000" cy="5715000" type="screen16x10"/>
   <p:notesSz cx="6858000" cy="9144000"/>
@@ -198,7 +201,7 @@
             <a:fld id="{7D8A566C-5138-4135-8B6E-909EC4E2D69D}" type="datetimeFigureOut">
               <a:rPr lang="en-US" smtClean="0"/>
               <a:pPr/>
-              <a:t>6/15/2019</a:t>
+              <a:t>6/16/2019</a:t>
             </a:fld>
             <a:endParaRPr lang="en-US"/>
           </a:p>
@@ -646,7 +649,7 @@
             <a:fld id="{40A6C090-7603-40E1-A38A-09FB9492DEDA}" type="datetimeFigureOut">
               <a:rPr lang="en-US" smtClean="0"/>
               <a:pPr/>
-              <a:t>6/15/2019</a:t>
+              <a:t>6/16/2019</a:t>
             </a:fld>
             <a:endParaRPr lang="en-US"/>
           </a:p>
@@ -813,7 +816,7 @@
             <a:fld id="{40A6C090-7603-40E1-A38A-09FB9492DEDA}" type="datetimeFigureOut">
               <a:rPr lang="en-US" smtClean="0"/>
               <a:pPr/>
-              <a:t>6/15/2019</a:t>
+              <a:t>6/16/2019</a:t>
             </a:fld>
             <a:endParaRPr lang="en-US"/>
           </a:p>
@@ -990,7 +993,7 @@
             <a:fld id="{40A6C090-7603-40E1-A38A-09FB9492DEDA}" type="datetimeFigureOut">
               <a:rPr lang="en-US" smtClean="0"/>
               <a:pPr/>
-              <a:t>6/15/2019</a:t>
+              <a:t>6/16/2019</a:t>
             </a:fld>
             <a:endParaRPr lang="en-US"/>
           </a:p>
@@ -1157,7 +1160,7 @@
             <a:fld id="{40A6C090-7603-40E1-A38A-09FB9492DEDA}" type="datetimeFigureOut">
               <a:rPr lang="en-US" smtClean="0"/>
               <a:pPr/>
-              <a:t>6/15/2019</a:t>
+              <a:t>6/16/2019</a:t>
             </a:fld>
             <a:endParaRPr lang="en-US"/>
           </a:p>
@@ -1400,7 +1403,7 @@
             <a:fld id="{40A6C090-7603-40E1-A38A-09FB9492DEDA}" type="datetimeFigureOut">
               <a:rPr lang="en-US" smtClean="0"/>
               <a:pPr/>
-              <a:t>6/15/2019</a:t>
+              <a:t>6/16/2019</a:t>
             </a:fld>
             <a:endParaRPr lang="en-US"/>
           </a:p>
@@ -1685,7 +1688,7 @@
             <a:fld id="{40A6C090-7603-40E1-A38A-09FB9492DEDA}" type="datetimeFigureOut">
               <a:rPr lang="en-US" smtClean="0"/>
               <a:pPr/>
-              <a:t>6/15/2019</a:t>
+              <a:t>6/16/2019</a:t>
             </a:fld>
             <a:endParaRPr lang="en-US"/>
           </a:p>
@@ -2104,7 +2107,7 @@
             <a:fld id="{40A6C090-7603-40E1-A38A-09FB9492DEDA}" type="datetimeFigureOut">
               <a:rPr lang="en-US" smtClean="0"/>
               <a:pPr/>
-              <a:t>6/15/2019</a:t>
+              <a:t>6/16/2019</a:t>
             </a:fld>
             <a:endParaRPr lang="en-US"/>
           </a:p>
@@ -2219,7 +2222,7 @@
             <a:fld id="{40A6C090-7603-40E1-A38A-09FB9492DEDA}" type="datetimeFigureOut">
               <a:rPr lang="en-US" smtClean="0"/>
               <a:pPr/>
-              <a:t>6/15/2019</a:t>
+              <a:t>6/16/2019</a:t>
             </a:fld>
             <a:endParaRPr lang="en-US"/>
           </a:p>
@@ -2311,7 +2314,7 @@
             <a:fld id="{40A6C090-7603-40E1-A38A-09FB9492DEDA}" type="datetimeFigureOut">
               <a:rPr lang="en-US" smtClean="0"/>
               <a:pPr/>
-              <a:t>6/15/2019</a:t>
+              <a:t>6/16/2019</a:t>
             </a:fld>
             <a:endParaRPr lang="en-US"/>
           </a:p>
@@ -2585,7 +2588,7 @@
             <a:fld id="{40A6C090-7603-40E1-A38A-09FB9492DEDA}" type="datetimeFigureOut">
               <a:rPr lang="en-US" smtClean="0"/>
               <a:pPr/>
-              <a:t>6/15/2019</a:t>
+              <a:t>6/16/2019</a:t>
             </a:fld>
             <a:endParaRPr lang="en-US"/>
           </a:p>
@@ -2835,7 +2838,7 @@
             <a:fld id="{40A6C090-7603-40E1-A38A-09FB9492DEDA}" type="datetimeFigureOut">
               <a:rPr lang="en-US" smtClean="0"/>
               <a:pPr/>
-              <a:t>6/15/2019</a:t>
+              <a:t>6/16/2019</a:t>
             </a:fld>
             <a:endParaRPr lang="en-US"/>
           </a:p>
@@ -3045,7 +3048,7 @@
             <a:fld id="{40A6C090-7603-40E1-A38A-09FB9492DEDA}" type="datetimeFigureOut">
               <a:rPr lang="en-US" smtClean="0"/>
               <a:pPr/>
-              <a:t>6/15/2019</a:t>
+              <a:t>6/16/2019</a:t>
             </a:fld>
             <a:endParaRPr lang="en-US"/>
           </a:p>
@@ -3542,11 +3545,7 @@
           <a:p>
             <a:r>
               <a:rPr lang="en-US" dirty="0" smtClean="0"/>
-              <a:t>	</a:t>
-            </a:r>
-            <a:r>
-              <a:rPr lang="en-US" dirty="0" smtClean="0"/>
-              <a:t>1. downloads </a:t>
+              <a:t>	1. downloads </a:t>
             </a:r>
             <a:r>
               <a:rPr lang="en-US" dirty="0" err="1" smtClean="0"/>
@@ -3560,31 +3559,19 @@
           <a:p>
             <a:r>
               <a:rPr lang="en-US" dirty="0" smtClean="0"/>
-              <a:t>	</a:t>
-            </a:r>
-            <a:r>
-              <a:rPr lang="en-US" dirty="0" smtClean="0"/>
-              <a:t>2. talks to VB </a:t>
-            </a:r>
-          </a:p>
-          <a:p>
-            <a:r>
-              <a:rPr lang="en-US" dirty="0" smtClean="0"/>
-              <a:t>	</a:t>
-            </a:r>
-            <a:r>
-              <a:rPr lang="en-US" dirty="0" smtClean="0"/>
-              <a:t>3. brings up a VM on virtual box</a:t>
-            </a:r>
-          </a:p>
-          <a:p>
-            <a:r>
-              <a:rPr lang="en-US" dirty="0" smtClean="0"/>
-              <a:t>	</a:t>
-            </a:r>
-            <a:r>
-              <a:rPr lang="en-US" dirty="0" smtClean="0"/>
-              <a:t>4. logs into the VM</a:t>
+              <a:t>	2. talks to VB </a:t>
+            </a:r>
+          </a:p>
+          <a:p>
+            <a:r>
+              <a:rPr lang="en-US" dirty="0" smtClean="0"/>
+              <a:t>	3. brings up a VM on virtual box</a:t>
+            </a:r>
+          </a:p>
+          <a:p>
+            <a:r>
+              <a:rPr lang="en-US" dirty="0" smtClean="0"/>
+              <a:t>	4. logs into the VM</a:t>
             </a:r>
             <a:endParaRPr lang="en-US" dirty="0"/>
           </a:p>
@@ -6884,11 +6871,7 @@
           <a:p>
             <a:r>
               <a:rPr lang="en-US" dirty="0" smtClean="0"/>
-              <a:t>p</a:t>
-            </a:r>
-            <a:r>
-              <a:rPr lang="en-US" dirty="0" smtClean="0"/>
-              <a:t>ing 192.168.99.100</a:t>
+              <a:t>ping 192.168.99.100</a:t>
             </a:r>
             <a:endParaRPr lang="en-US" dirty="0"/>
           </a:p>
@@ -7612,11 +7595,7 @@
             <a:pPr algn="ctr"/>
             <a:r>
               <a:rPr lang="en-US" dirty="0" smtClean="0"/>
-              <a:t>cf5b3c6798f </a:t>
-            </a:r>
-            <a:r>
-              <a:rPr lang="en-US" dirty="0" smtClean="0"/>
-              <a:t>Layer4: 130B</a:t>
+              <a:t>cf5b3c6798f Layer4: 130B</a:t>
             </a:r>
             <a:endParaRPr lang="en-US" dirty="0"/>
           </a:p>
@@ -7790,7 +7769,7 @@
         </p:nvSpPr>
         <p:spPr>
           <a:xfrm>
-            <a:off x="4191000" y="38100"/>
+            <a:off x="2971800" y="38100"/>
             <a:ext cx="3161058" cy="461665"/>
           </a:xfrm>
           <a:prstGeom prst="rect">
@@ -7809,6 +7788,1272 @@
               <a:t>UFS: Unified File system</a:t>
             </a:r>
             <a:endParaRPr lang="en-US" sz="2400" dirty="0"/>
+          </a:p>
+        </p:txBody>
+      </p:sp>
+    </p:spTree>
+  </p:cSld>
+  <p:clrMapOvr>
+    <a:masterClrMapping/>
+  </p:clrMapOvr>
+</p:sld>
+</file>
+
+<file path=ppt/slides/slide7.xml><?xml version="1.0" encoding="utf-8"?>
+<p:sld xmlns:a="http://schemas.openxmlformats.org/drawingml/2006/main" xmlns:r="http://schemas.openxmlformats.org/officeDocument/2006/relationships" xmlns:p="http://schemas.openxmlformats.org/presentationml/2006/main">
+  <p:cSld>
+    <p:spTree>
+      <p:nvGrpSpPr>
+        <p:cNvPr id="1" name=""/>
+        <p:cNvGrpSpPr/>
+        <p:nvPr/>
+      </p:nvGrpSpPr>
+      <p:grpSpPr>
+        <a:xfrm>
+          <a:off x="0" y="0"/>
+          <a:ext cx="0" cy="0"/>
+          <a:chOff x="0" y="0"/>
+          <a:chExt cx="0" cy="0"/>
+        </a:xfrm>
+      </p:grpSpPr>
+      <p:sp>
+        <p:nvSpPr>
+          <p:cNvPr id="2" name="Rectangle 1"/>
+          <p:cNvSpPr/>
+          <p:nvPr/>
+        </p:nvSpPr>
+        <p:spPr>
+          <a:xfrm>
+            <a:off x="2209800" y="342900"/>
+            <a:ext cx="6096000" cy="4724400"/>
+          </a:xfrm>
+          <a:prstGeom prst="rect">
+            <a:avLst/>
+          </a:prstGeom>
+          <a:noFill/>
+        </p:spPr>
+        <p:style>
+          <a:lnRef idx="2">
+            <a:schemeClr val="accent1">
+              <a:shade val="50000"/>
+            </a:schemeClr>
+          </a:lnRef>
+          <a:fillRef idx="1">
+            <a:schemeClr val="accent1"/>
+          </a:fillRef>
+          <a:effectRef idx="0">
+            <a:schemeClr val="accent1"/>
+          </a:effectRef>
+          <a:fontRef idx="minor">
+            <a:schemeClr val="lt1"/>
+          </a:fontRef>
+        </p:style>
+        <p:txBody>
+          <a:bodyPr rtlCol="0" anchor="ctr"/>
+          <a:lstStyle/>
+          <a:p>
+            <a:pPr algn="ctr"/>
+            <a:endParaRPr lang="en-US"/>
+          </a:p>
+        </p:txBody>
+      </p:sp>
+      <p:sp>
+        <p:nvSpPr>
+          <p:cNvPr id="3" name="TextBox 2"/>
+          <p:cNvSpPr txBox="1"/>
+          <p:nvPr/>
+        </p:nvSpPr>
+        <p:spPr>
+          <a:xfrm>
+            <a:off x="2209800" y="342900"/>
+            <a:ext cx="2583015" cy="369332"/>
+          </a:xfrm>
+          <a:prstGeom prst="rect">
+            <a:avLst/>
+          </a:prstGeom>
+          <a:noFill/>
+        </p:spPr>
+        <p:txBody>
+          <a:bodyPr wrap="none" rtlCol="0">
+            <a:spAutoFit/>
+          </a:bodyPr>
+          <a:lstStyle/>
+          <a:p>
+            <a:r>
+              <a:rPr lang="en-US" dirty="0" err="1" smtClean="0"/>
+              <a:t>Minikube</a:t>
+            </a:r>
+            <a:r>
+              <a:rPr lang="en-US" dirty="0" smtClean="0"/>
+              <a:t> 192.168.99.100</a:t>
+            </a:r>
+            <a:endParaRPr lang="en-US" dirty="0"/>
+          </a:p>
+        </p:txBody>
+      </p:sp>
+      <p:sp>
+        <p:nvSpPr>
+          <p:cNvPr id="4" name="Oval 3"/>
+          <p:cNvSpPr/>
+          <p:nvPr/>
+        </p:nvSpPr>
+        <p:spPr>
+          <a:xfrm>
+            <a:off x="5486400" y="2247900"/>
+            <a:ext cx="2286000" cy="1295400"/>
+          </a:xfrm>
+          <a:prstGeom prst="ellipse">
+            <a:avLst/>
+          </a:prstGeom>
+        </p:spPr>
+        <p:style>
+          <a:lnRef idx="2">
+            <a:schemeClr val="accent1">
+              <a:shade val="50000"/>
+            </a:schemeClr>
+          </a:lnRef>
+          <a:fillRef idx="1">
+            <a:schemeClr val="accent1"/>
+          </a:fillRef>
+          <a:effectRef idx="0">
+            <a:schemeClr val="accent1"/>
+          </a:effectRef>
+          <a:fontRef idx="minor">
+            <a:schemeClr val="lt1"/>
+          </a:fontRef>
+        </p:style>
+        <p:txBody>
+          <a:bodyPr rtlCol="0" anchor="ctr"/>
+          <a:lstStyle/>
+          <a:p>
+            <a:pPr algn="ctr"/>
+            <a:r>
+              <a:rPr lang="en-US" dirty="0" smtClean="0"/>
+              <a:t>Mysql:5.7</a:t>
+            </a:r>
+            <a:endParaRPr lang="en-US" dirty="0"/>
+          </a:p>
+        </p:txBody>
+      </p:sp>
+      <p:sp>
+        <p:nvSpPr>
+          <p:cNvPr id="5" name="TextBox 4"/>
+          <p:cNvSpPr txBox="1"/>
+          <p:nvPr/>
+        </p:nvSpPr>
+        <p:spPr>
+          <a:xfrm>
+            <a:off x="5715000" y="3543300"/>
+            <a:ext cx="1824538" cy="369332"/>
+          </a:xfrm>
+          <a:prstGeom prst="rect">
+            <a:avLst/>
+          </a:prstGeom>
+          <a:noFill/>
+        </p:spPr>
+        <p:txBody>
+          <a:bodyPr wrap="none" rtlCol="0">
+            <a:spAutoFit/>
+          </a:bodyPr>
+          <a:lstStyle/>
+          <a:p>
+            <a:r>
+              <a:rPr lang="en-US" dirty="0" smtClean="0"/>
+              <a:t>172.17.0.14:3306</a:t>
+            </a:r>
+            <a:endParaRPr lang="en-US" dirty="0"/>
+          </a:p>
+        </p:txBody>
+      </p:sp>
+      <p:sp>
+        <p:nvSpPr>
+          <p:cNvPr id="6" name="Oval 5"/>
+          <p:cNvSpPr/>
+          <p:nvPr/>
+        </p:nvSpPr>
+        <p:spPr>
+          <a:xfrm>
+            <a:off x="2438400" y="2400300"/>
+            <a:ext cx="2286000" cy="1143000"/>
+          </a:xfrm>
+          <a:prstGeom prst="ellipse">
+            <a:avLst/>
+          </a:prstGeom>
+        </p:spPr>
+        <p:style>
+          <a:lnRef idx="2">
+            <a:schemeClr val="accent1">
+              <a:shade val="50000"/>
+            </a:schemeClr>
+          </a:lnRef>
+          <a:fillRef idx="1">
+            <a:schemeClr val="accent1"/>
+          </a:fillRef>
+          <a:effectRef idx="0">
+            <a:schemeClr val="accent1"/>
+          </a:effectRef>
+          <a:fontRef idx="minor">
+            <a:schemeClr val="lt1"/>
+          </a:fontRef>
+        </p:style>
+        <p:txBody>
+          <a:bodyPr rtlCol="0" anchor="ctr"/>
+          <a:lstStyle/>
+          <a:p>
+            <a:pPr algn="ctr"/>
+            <a:r>
+              <a:rPr lang="en-US" dirty="0" smtClean="0"/>
+              <a:t>Ghost:1-alpine</a:t>
+            </a:r>
+          </a:p>
+          <a:p>
+            <a:pPr algn="ctr"/>
+            <a:r>
+              <a:rPr lang="en-US" dirty="0" smtClean="0"/>
+              <a:t>dbhost:172.17.0.4 </a:t>
+            </a:r>
+          </a:p>
+          <a:p>
+            <a:pPr algn="ctr"/>
+            <a:r>
+              <a:rPr lang="en-US" dirty="0" err="1" smtClean="0"/>
+              <a:t>d</a:t>
+            </a:r>
+            <a:r>
+              <a:rPr lang="en-US" dirty="0" err="1" smtClean="0"/>
+              <a:t>bport</a:t>
+            </a:r>
+            <a:r>
+              <a:rPr lang="en-US" dirty="0" smtClean="0"/>
+              <a:t>: 3306</a:t>
+            </a:r>
+            <a:endParaRPr lang="en-US" dirty="0"/>
+          </a:p>
+        </p:txBody>
+      </p:sp>
+      <p:sp>
+        <p:nvSpPr>
+          <p:cNvPr id="7" name="TextBox 6"/>
+          <p:cNvSpPr txBox="1"/>
+          <p:nvPr/>
+        </p:nvSpPr>
+        <p:spPr>
+          <a:xfrm>
+            <a:off x="2667000" y="3543300"/>
+            <a:ext cx="1824538" cy="369332"/>
+          </a:xfrm>
+          <a:prstGeom prst="rect">
+            <a:avLst/>
+          </a:prstGeom>
+          <a:noFill/>
+        </p:spPr>
+        <p:txBody>
+          <a:bodyPr wrap="none" rtlCol="0">
+            <a:spAutoFit/>
+          </a:bodyPr>
+          <a:lstStyle/>
+          <a:p>
+            <a:r>
+              <a:rPr lang="en-US" dirty="0" smtClean="0"/>
+              <a:t>172.17.0.15:2368</a:t>
+            </a:r>
+            <a:endParaRPr lang="en-US" dirty="0"/>
+          </a:p>
+        </p:txBody>
+      </p:sp>
+      <p:cxnSp>
+        <p:nvCxnSpPr>
+          <p:cNvPr id="9" name="Straight Arrow Connector 8"/>
+          <p:cNvCxnSpPr>
+            <a:stCxn id="6" idx="2"/>
+          </p:cNvCxnSpPr>
+          <p:nvPr/>
+        </p:nvCxnSpPr>
+        <p:spPr>
+          <a:xfrm flipH="1" flipV="1">
+            <a:off x="1676400" y="2933700"/>
+            <a:ext cx="762000" cy="38100"/>
+          </a:xfrm>
+          <a:prstGeom prst="straightConnector1">
+            <a:avLst/>
+          </a:prstGeom>
+          <a:ln>
+            <a:tailEnd type="arrow"/>
+          </a:ln>
+        </p:spPr>
+        <p:style>
+          <a:lnRef idx="1">
+            <a:schemeClr val="accent1"/>
+          </a:lnRef>
+          <a:fillRef idx="0">
+            <a:schemeClr val="accent1"/>
+          </a:fillRef>
+          <a:effectRef idx="0">
+            <a:schemeClr val="accent1"/>
+          </a:effectRef>
+          <a:fontRef idx="minor">
+            <a:schemeClr val="tx1"/>
+          </a:fontRef>
+        </p:style>
+      </p:cxnSp>
+      <p:sp>
+        <p:nvSpPr>
+          <p:cNvPr id="10" name="TextBox 9"/>
+          <p:cNvSpPr txBox="1"/>
+          <p:nvPr/>
+        </p:nvSpPr>
+        <p:spPr>
+          <a:xfrm>
+            <a:off x="2057400" y="1866900"/>
+            <a:ext cx="1183337" cy="369332"/>
+          </a:xfrm>
+          <a:prstGeom prst="rect">
+            <a:avLst/>
+          </a:prstGeom>
+          <a:noFill/>
+        </p:spPr>
+        <p:txBody>
+          <a:bodyPr wrap="none" rtlCol="0">
+            <a:spAutoFit/>
+          </a:bodyPr>
+          <a:lstStyle/>
+          <a:p>
+            <a:r>
+              <a:rPr lang="en-US" dirty="0" smtClean="0"/>
+              <a:t>9999:2368</a:t>
+            </a:r>
+            <a:endParaRPr lang="en-US" dirty="0"/>
+          </a:p>
+        </p:txBody>
+      </p:sp>
+    </p:spTree>
+  </p:cSld>
+  <p:clrMapOvr>
+    <a:masterClrMapping/>
+  </p:clrMapOvr>
+</p:sld>
+</file>
+
+<file path=ppt/slides/slide8.xml><?xml version="1.0" encoding="utf-8"?>
+<p:sld xmlns:a="http://schemas.openxmlformats.org/drawingml/2006/main" xmlns:r="http://schemas.openxmlformats.org/officeDocument/2006/relationships" xmlns:p="http://schemas.openxmlformats.org/presentationml/2006/main">
+  <p:cSld>
+    <p:spTree>
+      <p:nvGrpSpPr>
+        <p:cNvPr id="1" name=""/>
+        <p:cNvGrpSpPr/>
+        <p:nvPr/>
+      </p:nvGrpSpPr>
+      <p:grpSpPr>
+        <a:xfrm>
+          <a:off x="0" y="0"/>
+          <a:ext cx="0" cy="0"/>
+          <a:chOff x="0" y="0"/>
+          <a:chExt cx="0" cy="0"/>
+        </a:xfrm>
+      </p:grpSpPr>
+      <p:sp>
+        <p:nvSpPr>
+          <p:cNvPr id="2" name="Rectangle 1"/>
+          <p:cNvSpPr/>
+          <p:nvPr/>
+        </p:nvSpPr>
+        <p:spPr>
+          <a:xfrm>
+            <a:off x="2209800" y="342900"/>
+            <a:ext cx="6096000" cy="4724400"/>
+          </a:xfrm>
+          <a:prstGeom prst="rect">
+            <a:avLst/>
+          </a:prstGeom>
+          <a:noFill/>
+        </p:spPr>
+        <p:style>
+          <a:lnRef idx="2">
+            <a:schemeClr val="accent1">
+              <a:shade val="50000"/>
+            </a:schemeClr>
+          </a:lnRef>
+          <a:fillRef idx="1">
+            <a:schemeClr val="accent1"/>
+          </a:fillRef>
+          <a:effectRef idx="0">
+            <a:schemeClr val="accent1"/>
+          </a:effectRef>
+          <a:fontRef idx="minor">
+            <a:schemeClr val="lt1"/>
+          </a:fontRef>
+        </p:style>
+        <p:txBody>
+          <a:bodyPr rtlCol="0" anchor="ctr"/>
+          <a:lstStyle/>
+          <a:p>
+            <a:pPr algn="ctr"/>
+            <a:endParaRPr lang="en-US"/>
+          </a:p>
+        </p:txBody>
+      </p:sp>
+      <p:sp>
+        <p:nvSpPr>
+          <p:cNvPr id="3" name="TextBox 2"/>
+          <p:cNvSpPr txBox="1"/>
+          <p:nvPr/>
+        </p:nvSpPr>
+        <p:spPr>
+          <a:xfrm>
+            <a:off x="2209800" y="342900"/>
+            <a:ext cx="2583015" cy="369332"/>
+          </a:xfrm>
+          <a:prstGeom prst="rect">
+            <a:avLst/>
+          </a:prstGeom>
+          <a:noFill/>
+        </p:spPr>
+        <p:txBody>
+          <a:bodyPr wrap="none" rtlCol="0">
+            <a:spAutoFit/>
+          </a:bodyPr>
+          <a:lstStyle/>
+          <a:p>
+            <a:r>
+              <a:rPr lang="en-US" dirty="0" err="1" smtClean="0"/>
+              <a:t>Minikube</a:t>
+            </a:r>
+            <a:r>
+              <a:rPr lang="en-US" dirty="0" smtClean="0"/>
+              <a:t> 192.168.99.100</a:t>
+            </a:r>
+            <a:endParaRPr lang="en-US" dirty="0"/>
+          </a:p>
+        </p:txBody>
+      </p:sp>
+      <p:sp>
+        <p:nvSpPr>
+          <p:cNvPr id="4" name="TextBox 3"/>
+          <p:cNvSpPr txBox="1"/>
+          <p:nvPr/>
+        </p:nvSpPr>
+        <p:spPr>
+          <a:xfrm>
+            <a:off x="3352800" y="4305300"/>
+            <a:ext cx="1103187" cy="523220"/>
+          </a:xfrm>
+          <a:prstGeom prst="rect">
+            <a:avLst/>
+          </a:prstGeom>
+          <a:noFill/>
+        </p:spPr>
+        <p:txBody>
+          <a:bodyPr wrap="none" rtlCol="0">
+            <a:spAutoFit/>
+          </a:bodyPr>
+          <a:lstStyle/>
+          <a:p>
+            <a:r>
+              <a:rPr lang="en-US" sz="1400" dirty="0" smtClean="0"/>
+              <a:t>w1 (ghost)</a:t>
+            </a:r>
+          </a:p>
+          <a:p>
+            <a:r>
+              <a:rPr lang="en-US" sz="1400" dirty="0" smtClean="0"/>
+              <a:t>"</a:t>
+            </a:r>
+            <a:r>
+              <a:rPr lang="en-US" sz="1400" dirty="0" smtClean="0"/>
+              <a:t>172.18.0.2"</a:t>
+            </a:r>
+            <a:endParaRPr lang="en-US" sz="1400" dirty="0"/>
+          </a:p>
+        </p:txBody>
+      </p:sp>
+      <p:sp>
+        <p:nvSpPr>
+          <p:cNvPr id="5" name="TextBox 4"/>
+          <p:cNvSpPr txBox="1"/>
+          <p:nvPr/>
+        </p:nvSpPr>
+        <p:spPr>
+          <a:xfrm>
+            <a:off x="5943600" y="4305300"/>
+            <a:ext cx="958917" cy="738664"/>
+          </a:xfrm>
+          <a:prstGeom prst="rect">
+            <a:avLst/>
+          </a:prstGeom>
+          <a:noFill/>
+        </p:spPr>
+        <p:txBody>
+          <a:bodyPr wrap="none" rtlCol="0">
+            <a:spAutoFit/>
+          </a:bodyPr>
+          <a:lstStyle/>
+          <a:p>
+            <a:r>
+              <a:rPr lang="en-US" sz="1400" dirty="0" smtClean="0"/>
+              <a:t>db(</a:t>
+            </a:r>
+            <a:r>
+              <a:rPr lang="en-US" sz="1400" dirty="0" err="1" smtClean="0"/>
+              <a:t>mysql</a:t>
+            </a:r>
+            <a:r>
+              <a:rPr lang="en-US" sz="1400" dirty="0" smtClean="0"/>
+              <a:t>)</a:t>
+            </a:r>
+          </a:p>
+          <a:p>
+            <a:r>
+              <a:rPr lang="en-US" sz="1400" dirty="0" smtClean="0"/>
+              <a:t>172.18.0.3</a:t>
+            </a:r>
+          </a:p>
+          <a:p>
+            <a:r>
+              <a:rPr lang="en-US" sz="1400" dirty="0" smtClean="0"/>
+              <a:t>172.19.0.3</a:t>
+            </a:r>
+            <a:endParaRPr lang="en-US" sz="1400" dirty="0"/>
+          </a:p>
+        </p:txBody>
+      </p:sp>
+      <p:cxnSp>
+        <p:nvCxnSpPr>
+          <p:cNvPr id="7" name="Straight Arrow Connector 6"/>
+          <p:cNvCxnSpPr>
+            <a:stCxn id="4" idx="3"/>
+            <a:endCxn id="5" idx="1"/>
+          </p:cNvCxnSpPr>
+          <p:nvPr/>
+        </p:nvCxnSpPr>
+        <p:spPr>
+          <a:xfrm>
+            <a:off x="4455987" y="4566910"/>
+            <a:ext cx="1487613" cy="107722"/>
+          </a:xfrm>
+          <a:prstGeom prst="straightConnector1">
+            <a:avLst/>
+          </a:prstGeom>
+          <a:ln>
+            <a:tailEnd type="arrow"/>
+          </a:ln>
+        </p:spPr>
+        <p:style>
+          <a:lnRef idx="1">
+            <a:schemeClr val="accent1"/>
+          </a:lnRef>
+          <a:fillRef idx="0">
+            <a:schemeClr val="accent1"/>
+          </a:fillRef>
+          <a:effectRef idx="0">
+            <a:schemeClr val="accent1"/>
+          </a:effectRef>
+          <a:fontRef idx="minor">
+            <a:schemeClr val="tx1"/>
+          </a:fontRef>
+        </p:style>
+      </p:cxnSp>
+      <p:sp>
+        <p:nvSpPr>
+          <p:cNvPr id="8" name="TextBox 7"/>
+          <p:cNvSpPr txBox="1"/>
+          <p:nvPr/>
+        </p:nvSpPr>
+        <p:spPr>
+          <a:xfrm>
+            <a:off x="5715000" y="3086100"/>
+            <a:ext cx="1345176" cy="523220"/>
+          </a:xfrm>
+          <a:prstGeom prst="rect">
+            <a:avLst/>
+          </a:prstGeom>
+          <a:noFill/>
+        </p:spPr>
+        <p:txBody>
+          <a:bodyPr wrap="none" rtlCol="0">
+            <a:spAutoFit/>
+          </a:bodyPr>
+          <a:lstStyle/>
+          <a:p>
+            <a:r>
+              <a:rPr lang="en-US" sz="1400" dirty="0" smtClean="0"/>
+              <a:t>w</a:t>
+            </a:r>
+            <a:r>
+              <a:rPr lang="en-US" sz="1400" dirty="0" smtClean="0"/>
+              <a:t>2(</a:t>
+            </a:r>
+            <a:r>
+              <a:rPr lang="en-US" sz="1400" dirty="0" err="1" smtClean="0"/>
+              <a:t>wordpresss</a:t>
+            </a:r>
+            <a:r>
+              <a:rPr lang="en-US" sz="1400" dirty="0" smtClean="0"/>
+              <a:t>)</a:t>
+            </a:r>
+          </a:p>
+          <a:p>
+            <a:r>
+              <a:rPr lang="en-US" sz="1400" dirty="0" smtClean="0"/>
+              <a:t>172.19.0.2</a:t>
+            </a:r>
+            <a:endParaRPr lang="en-US" sz="1400" dirty="0"/>
+          </a:p>
+        </p:txBody>
+      </p:sp>
+      <p:sp>
+        <p:nvSpPr>
+          <p:cNvPr id="13" name="TextBox 12"/>
+          <p:cNvSpPr txBox="1"/>
+          <p:nvPr/>
+        </p:nvSpPr>
+        <p:spPr>
+          <a:xfrm>
+            <a:off x="0" y="419100"/>
+            <a:ext cx="1966116" cy="646331"/>
+          </a:xfrm>
+          <a:prstGeom prst="rect">
+            <a:avLst/>
+          </a:prstGeom>
+          <a:noFill/>
+        </p:spPr>
+        <p:txBody>
+          <a:bodyPr wrap="none" rtlCol="0">
+            <a:spAutoFit/>
+          </a:bodyPr>
+          <a:lstStyle/>
+          <a:p>
+            <a:pPr marL="342900" indent="-342900">
+              <a:buAutoNum type="arabicPeriod"/>
+            </a:pPr>
+            <a:r>
+              <a:rPr lang="en-US" dirty="0" smtClean="0"/>
+              <a:t>Better isolation</a:t>
+            </a:r>
+          </a:p>
+          <a:p>
+            <a:pPr marL="342900" indent="-342900">
+              <a:buAutoNum type="arabicPeriod"/>
+            </a:pPr>
+            <a:r>
+              <a:rPr lang="en-US" dirty="0" err="1" smtClean="0"/>
+              <a:t>Dns</a:t>
+            </a:r>
+            <a:r>
+              <a:rPr lang="en-US" dirty="0" smtClean="0"/>
+              <a:t> resolution</a:t>
+            </a:r>
+            <a:endParaRPr lang="en-US" dirty="0"/>
+          </a:p>
+        </p:txBody>
+      </p:sp>
+      <p:sp>
+        <p:nvSpPr>
+          <p:cNvPr id="14" name="Cloud 13"/>
+          <p:cNvSpPr/>
+          <p:nvPr/>
+        </p:nvSpPr>
+        <p:spPr>
+          <a:xfrm>
+            <a:off x="2209800" y="1257300"/>
+            <a:ext cx="5486400" cy="381000"/>
+          </a:xfrm>
+          <a:prstGeom prst="cloud">
+            <a:avLst/>
+          </a:prstGeom>
+          <a:noFill/>
+          <a:ln w="3175"/>
+        </p:spPr>
+        <p:style>
+          <a:lnRef idx="2">
+            <a:schemeClr val="accent1">
+              <a:shade val="50000"/>
+            </a:schemeClr>
+          </a:lnRef>
+          <a:fillRef idx="1">
+            <a:schemeClr val="accent1"/>
+          </a:fillRef>
+          <a:effectRef idx="0">
+            <a:schemeClr val="accent1"/>
+          </a:effectRef>
+          <a:fontRef idx="minor">
+            <a:schemeClr val="lt1"/>
+          </a:fontRef>
+        </p:style>
+        <p:txBody>
+          <a:bodyPr rtlCol="0" anchor="ctr"/>
+          <a:lstStyle/>
+          <a:p>
+            <a:pPr algn="ctr"/>
+            <a:endParaRPr lang="en-US"/>
+          </a:p>
+        </p:txBody>
+      </p:sp>
+      <p:sp>
+        <p:nvSpPr>
+          <p:cNvPr id="15" name="TextBox 14"/>
+          <p:cNvSpPr txBox="1"/>
+          <p:nvPr/>
+        </p:nvSpPr>
+        <p:spPr>
+          <a:xfrm>
+            <a:off x="4191000" y="1181100"/>
+            <a:ext cx="1581202" cy="276999"/>
+          </a:xfrm>
+          <a:prstGeom prst="rect">
+            <a:avLst/>
+          </a:prstGeom>
+          <a:noFill/>
+        </p:spPr>
+        <p:txBody>
+          <a:bodyPr wrap="none" rtlCol="0">
+            <a:spAutoFit/>
+          </a:bodyPr>
+          <a:lstStyle/>
+          <a:p>
+            <a:r>
+              <a:rPr lang="en-US" sz="1200" dirty="0" smtClean="0"/>
+              <a:t>Bridge: 172.17.0.0./16</a:t>
+            </a:r>
+            <a:endParaRPr lang="en-US" dirty="0"/>
+          </a:p>
+        </p:txBody>
+      </p:sp>
+      <p:sp>
+        <p:nvSpPr>
+          <p:cNvPr id="18" name="Cloud 17"/>
+          <p:cNvSpPr/>
+          <p:nvPr/>
+        </p:nvSpPr>
+        <p:spPr>
+          <a:xfrm>
+            <a:off x="2667000" y="4229100"/>
+            <a:ext cx="5486400" cy="685800"/>
+          </a:xfrm>
+          <a:prstGeom prst="cloud">
+            <a:avLst/>
+          </a:prstGeom>
+          <a:noFill/>
+          <a:ln w="3175"/>
+        </p:spPr>
+        <p:style>
+          <a:lnRef idx="2">
+            <a:schemeClr val="accent1">
+              <a:shade val="50000"/>
+            </a:schemeClr>
+          </a:lnRef>
+          <a:fillRef idx="1">
+            <a:schemeClr val="accent1"/>
+          </a:fillRef>
+          <a:effectRef idx="0">
+            <a:schemeClr val="accent1"/>
+          </a:effectRef>
+          <a:fontRef idx="minor">
+            <a:schemeClr val="lt1"/>
+          </a:fontRef>
+        </p:style>
+        <p:txBody>
+          <a:bodyPr rtlCol="0" anchor="ctr"/>
+          <a:lstStyle/>
+          <a:p>
+            <a:pPr algn="ctr"/>
+            <a:endParaRPr lang="en-US"/>
+          </a:p>
+        </p:txBody>
+      </p:sp>
+      <p:sp>
+        <p:nvSpPr>
+          <p:cNvPr id="19" name="TextBox 18"/>
+          <p:cNvSpPr txBox="1"/>
+          <p:nvPr/>
+        </p:nvSpPr>
+        <p:spPr>
+          <a:xfrm>
+            <a:off x="4648200" y="4152900"/>
+            <a:ext cx="1854162" cy="276999"/>
+          </a:xfrm>
+          <a:prstGeom prst="rect">
+            <a:avLst/>
+          </a:prstGeom>
+          <a:noFill/>
+        </p:spPr>
+        <p:txBody>
+          <a:bodyPr wrap="none" rtlCol="0">
+            <a:spAutoFit/>
+          </a:bodyPr>
+          <a:lstStyle/>
+          <a:p>
+            <a:r>
+              <a:rPr lang="en-US" sz="1200" dirty="0" smtClean="0"/>
+              <a:t>w1-db-net: 172.18.0.0./16</a:t>
+            </a:r>
+            <a:endParaRPr lang="en-US" dirty="0"/>
+          </a:p>
+        </p:txBody>
+      </p:sp>
+      <p:sp>
+        <p:nvSpPr>
+          <p:cNvPr id="26" name="Cloud 25"/>
+          <p:cNvSpPr/>
+          <p:nvPr/>
+        </p:nvSpPr>
+        <p:spPr>
+          <a:xfrm rot="5400000">
+            <a:off x="4819650" y="2990850"/>
+            <a:ext cx="2971800" cy="1333500"/>
+          </a:xfrm>
+          <a:prstGeom prst="cloud">
+            <a:avLst/>
+          </a:prstGeom>
+          <a:noFill/>
+          <a:ln w="3175"/>
+        </p:spPr>
+        <p:style>
+          <a:lnRef idx="2">
+            <a:schemeClr val="accent1">
+              <a:shade val="50000"/>
+            </a:schemeClr>
+          </a:lnRef>
+          <a:fillRef idx="1">
+            <a:schemeClr val="accent1"/>
+          </a:fillRef>
+          <a:effectRef idx="0">
+            <a:schemeClr val="accent1"/>
+          </a:effectRef>
+          <a:fontRef idx="minor">
+            <a:schemeClr val="lt1"/>
+          </a:fontRef>
+        </p:style>
+        <p:txBody>
+          <a:bodyPr rtlCol="0" anchor="ctr"/>
+          <a:lstStyle/>
+          <a:p>
+            <a:pPr algn="ctr"/>
+            <a:endParaRPr lang="en-US"/>
+          </a:p>
+        </p:txBody>
+      </p:sp>
+      <p:sp>
+        <p:nvSpPr>
+          <p:cNvPr id="27" name="TextBox 26"/>
+          <p:cNvSpPr txBox="1"/>
+          <p:nvPr/>
+        </p:nvSpPr>
+        <p:spPr>
+          <a:xfrm>
+            <a:off x="4648200" y="2628900"/>
+            <a:ext cx="1854162" cy="276999"/>
+          </a:xfrm>
+          <a:prstGeom prst="rect">
+            <a:avLst/>
+          </a:prstGeom>
+          <a:noFill/>
+        </p:spPr>
+        <p:txBody>
+          <a:bodyPr wrap="none" rtlCol="0">
+            <a:spAutoFit/>
+          </a:bodyPr>
+          <a:lstStyle/>
+          <a:p>
+            <a:r>
+              <a:rPr lang="en-US" sz="1200" dirty="0" smtClean="0"/>
+              <a:t>w2-db-net: 172.18.0.0./16</a:t>
+            </a:r>
+            <a:endParaRPr lang="en-US" dirty="0"/>
+          </a:p>
+        </p:txBody>
+      </p:sp>
+      <p:cxnSp>
+        <p:nvCxnSpPr>
+          <p:cNvPr id="29" name="Straight Arrow Connector 28"/>
+          <p:cNvCxnSpPr>
+            <a:stCxn id="8" idx="2"/>
+          </p:cNvCxnSpPr>
+          <p:nvPr/>
+        </p:nvCxnSpPr>
+        <p:spPr>
+          <a:xfrm>
+            <a:off x="6387588" y="3609320"/>
+            <a:ext cx="165612" cy="848380"/>
+          </a:xfrm>
+          <a:prstGeom prst="straightConnector1">
+            <a:avLst/>
+          </a:prstGeom>
+          <a:ln>
+            <a:tailEnd type="arrow"/>
+          </a:ln>
+        </p:spPr>
+        <p:style>
+          <a:lnRef idx="1">
+            <a:schemeClr val="accent1"/>
+          </a:lnRef>
+          <a:fillRef idx="0">
+            <a:schemeClr val="accent1"/>
+          </a:fillRef>
+          <a:effectRef idx="0">
+            <a:schemeClr val="accent1"/>
+          </a:effectRef>
+          <a:fontRef idx="minor">
+            <a:schemeClr val="tx1"/>
+          </a:fontRef>
+        </p:style>
+      </p:cxnSp>
+      <p:cxnSp>
+        <p:nvCxnSpPr>
+          <p:cNvPr id="31" name="Straight Arrow Connector 30"/>
+          <p:cNvCxnSpPr>
+            <a:endCxn id="8" idx="1"/>
+          </p:cNvCxnSpPr>
+          <p:nvPr/>
+        </p:nvCxnSpPr>
+        <p:spPr>
+          <a:xfrm flipV="1">
+            <a:off x="3886200" y="3347710"/>
+            <a:ext cx="1828800" cy="1033790"/>
+          </a:xfrm>
+          <a:prstGeom prst="straightConnector1">
+            <a:avLst/>
+          </a:prstGeom>
+          <a:ln>
+            <a:tailEnd type="arrow"/>
+          </a:ln>
+        </p:spPr>
+        <p:style>
+          <a:lnRef idx="1">
+            <a:schemeClr val="accent1"/>
+          </a:lnRef>
+          <a:fillRef idx="0">
+            <a:schemeClr val="accent1"/>
+          </a:fillRef>
+          <a:effectRef idx="0">
+            <a:schemeClr val="accent1"/>
+          </a:effectRef>
+          <a:fontRef idx="minor">
+            <a:schemeClr val="tx1"/>
+          </a:fontRef>
+        </p:style>
+      </p:cxnSp>
+      <p:sp>
+        <p:nvSpPr>
+          <p:cNvPr id="32" name="TextBox 31"/>
+          <p:cNvSpPr txBox="1"/>
+          <p:nvPr/>
+        </p:nvSpPr>
+        <p:spPr>
+          <a:xfrm>
+            <a:off x="4267200" y="3771900"/>
+            <a:ext cx="311304" cy="369332"/>
+          </a:xfrm>
+          <a:prstGeom prst="rect">
+            <a:avLst/>
+          </a:prstGeom>
+          <a:noFill/>
+        </p:spPr>
+        <p:txBody>
+          <a:bodyPr wrap="none" rtlCol="0">
+            <a:spAutoFit/>
+          </a:bodyPr>
+          <a:lstStyle/>
+          <a:p>
+            <a:r>
+              <a:rPr lang="en-US" b="1" dirty="0" smtClean="0">
+                <a:solidFill>
+                  <a:srgbClr val="FF0000"/>
+                </a:solidFill>
+              </a:rPr>
+              <a:t>X</a:t>
+            </a:r>
+            <a:endParaRPr lang="en-US" b="1" dirty="0">
+              <a:solidFill>
+                <a:srgbClr val="FF0000"/>
+              </a:solidFill>
+            </a:endParaRPr>
+          </a:p>
+        </p:txBody>
+      </p:sp>
+    </p:spTree>
+  </p:cSld>
+  <p:clrMapOvr>
+    <a:masterClrMapping/>
+  </p:clrMapOvr>
+</p:sld>
+</file>
+
+<file path=ppt/slides/slide9.xml><?xml version="1.0" encoding="utf-8"?>
+<p:sld xmlns:a="http://schemas.openxmlformats.org/drawingml/2006/main" xmlns:r="http://schemas.openxmlformats.org/officeDocument/2006/relationships" xmlns:p="http://schemas.openxmlformats.org/presentationml/2006/main">
+  <p:cSld>
+    <p:spTree>
+      <p:nvGrpSpPr>
+        <p:cNvPr id="1" name=""/>
+        <p:cNvGrpSpPr/>
+        <p:nvPr/>
+      </p:nvGrpSpPr>
+      <p:grpSpPr>
+        <a:xfrm>
+          <a:off x="0" y="0"/>
+          <a:ext cx="0" cy="0"/>
+          <a:chOff x="0" y="0"/>
+          <a:chExt cx="0" cy="0"/>
+        </a:xfrm>
+      </p:grpSpPr>
+      <p:sp>
+        <p:nvSpPr>
+          <p:cNvPr id="2" name="Rectangle 1"/>
+          <p:cNvSpPr/>
+          <p:nvPr/>
+        </p:nvSpPr>
+        <p:spPr>
+          <a:xfrm>
+            <a:off x="2209800" y="342900"/>
+            <a:ext cx="6096000" cy="4724400"/>
+          </a:xfrm>
+          <a:prstGeom prst="rect">
+            <a:avLst/>
+          </a:prstGeom>
+          <a:noFill/>
+        </p:spPr>
+        <p:style>
+          <a:lnRef idx="2">
+            <a:schemeClr val="accent1">
+              <a:shade val="50000"/>
+            </a:schemeClr>
+          </a:lnRef>
+          <a:fillRef idx="1">
+            <a:schemeClr val="accent1"/>
+          </a:fillRef>
+          <a:effectRef idx="0">
+            <a:schemeClr val="accent1"/>
+          </a:effectRef>
+          <a:fontRef idx="minor">
+            <a:schemeClr val="lt1"/>
+          </a:fontRef>
+        </p:style>
+        <p:txBody>
+          <a:bodyPr rtlCol="0" anchor="ctr"/>
+          <a:lstStyle/>
+          <a:p>
+            <a:pPr algn="ctr"/>
+            <a:endParaRPr lang="en-US"/>
+          </a:p>
+        </p:txBody>
+      </p:sp>
+      <p:sp>
+        <p:nvSpPr>
+          <p:cNvPr id="3" name="TextBox 2"/>
+          <p:cNvSpPr txBox="1"/>
+          <p:nvPr/>
+        </p:nvSpPr>
+        <p:spPr>
+          <a:xfrm>
+            <a:off x="2209800" y="342900"/>
+            <a:ext cx="2583015" cy="369332"/>
+          </a:xfrm>
+          <a:prstGeom prst="rect">
+            <a:avLst/>
+          </a:prstGeom>
+          <a:noFill/>
+        </p:spPr>
+        <p:txBody>
+          <a:bodyPr wrap="none" rtlCol="0">
+            <a:spAutoFit/>
+          </a:bodyPr>
+          <a:lstStyle/>
+          <a:p>
+            <a:r>
+              <a:rPr lang="en-US" dirty="0" err="1" smtClean="0"/>
+              <a:t>Minikube</a:t>
+            </a:r>
+            <a:r>
+              <a:rPr lang="en-US" dirty="0" smtClean="0"/>
+              <a:t> 192.168.99.100</a:t>
+            </a:r>
+            <a:endParaRPr lang="en-US" dirty="0"/>
+          </a:p>
+        </p:txBody>
+      </p:sp>
+      <p:sp>
+        <p:nvSpPr>
+          <p:cNvPr id="4" name="Oval 3"/>
+          <p:cNvSpPr/>
+          <p:nvPr/>
+        </p:nvSpPr>
+        <p:spPr>
+          <a:xfrm>
+            <a:off x="4419600" y="1104900"/>
+            <a:ext cx="2743200" cy="2362200"/>
+          </a:xfrm>
+          <a:prstGeom prst="ellipse">
+            <a:avLst/>
+          </a:prstGeom>
+          <a:noFill/>
+        </p:spPr>
+        <p:style>
+          <a:lnRef idx="2">
+            <a:schemeClr val="accent1">
+              <a:shade val="50000"/>
+            </a:schemeClr>
+          </a:lnRef>
+          <a:fillRef idx="1">
+            <a:schemeClr val="accent1"/>
+          </a:fillRef>
+          <a:effectRef idx="0">
+            <a:schemeClr val="accent1"/>
+          </a:effectRef>
+          <a:fontRef idx="minor">
+            <a:schemeClr val="lt1"/>
+          </a:fontRef>
+        </p:style>
+        <p:txBody>
+          <a:bodyPr rtlCol="0" anchor="ctr"/>
+          <a:lstStyle/>
+          <a:p>
+            <a:pPr algn="ctr"/>
+            <a:endParaRPr lang="en-US"/>
+          </a:p>
+        </p:txBody>
+      </p:sp>
+      <p:sp>
+        <p:nvSpPr>
+          <p:cNvPr id="5" name="TextBox 4"/>
+          <p:cNvSpPr txBox="1"/>
+          <p:nvPr/>
+        </p:nvSpPr>
+        <p:spPr>
+          <a:xfrm>
+            <a:off x="4453521" y="1790700"/>
+            <a:ext cx="2640723" cy="738664"/>
+          </a:xfrm>
+          <a:prstGeom prst="rect">
+            <a:avLst/>
+          </a:prstGeom>
+          <a:noFill/>
+        </p:spPr>
+        <p:txBody>
+          <a:bodyPr wrap="none" rtlCol="0">
+            <a:spAutoFit/>
+          </a:bodyPr>
+          <a:lstStyle/>
+          <a:p>
+            <a:r>
+              <a:rPr lang="en-US" sz="1400" dirty="0" smtClean="0"/>
+              <a:t>Apache2</a:t>
+            </a:r>
+          </a:p>
+          <a:p>
+            <a:r>
+              <a:rPr lang="en-US" sz="1400" dirty="0" smtClean="0"/>
+              <a:t>	</a:t>
+            </a:r>
+            <a:r>
+              <a:rPr lang="en-US" sz="1400" dirty="0" smtClean="0"/>
+              <a:t>- /</a:t>
+            </a:r>
+            <a:r>
+              <a:rPr lang="en-US" sz="1400" dirty="0" err="1" smtClean="0"/>
+              <a:t>var</a:t>
+            </a:r>
+            <a:r>
+              <a:rPr lang="en-US" sz="1400" dirty="0" smtClean="0"/>
+              <a:t>/log/apache2</a:t>
+            </a:r>
+          </a:p>
+          <a:p>
+            <a:r>
+              <a:rPr lang="en-US" sz="1400" dirty="0" smtClean="0"/>
+              <a:t>	</a:t>
+            </a:r>
+            <a:r>
+              <a:rPr lang="en-US" sz="1400" dirty="0" smtClean="0"/>
+              <a:t>- access.log, error.log</a:t>
+            </a:r>
+            <a:endParaRPr lang="en-US" dirty="0"/>
+          </a:p>
+        </p:txBody>
+      </p:sp>
+      <p:sp>
+        <p:nvSpPr>
+          <p:cNvPr id="7" name="Rectangle 6"/>
+          <p:cNvSpPr/>
+          <p:nvPr/>
+        </p:nvSpPr>
+        <p:spPr>
+          <a:xfrm>
+            <a:off x="3733800" y="3848100"/>
+            <a:ext cx="4572000" cy="923330"/>
+          </a:xfrm>
+          <a:prstGeom prst="rect">
+            <a:avLst/>
+          </a:prstGeom>
+        </p:spPr>
+        <p:txBody>
+          <a:bodyPr>
+            <a:spAutoFit/>
+          </a:bodyPr>
+          <a:lstStyle/>
+          <a:p>
+            <a:r>
+              <a:rPr lang="en-US" dirty="0" smtClean="0"/>
+              <a:t>/</a:t>
+            </a:r>
+            <a:r>
+              <a:rPr lang="en-US" dirty="0" err="1" smtClean="0"/>
+              <a:t>var</a:t>
+            </a:r>
+            <a:r>
+              <a:rPr lang="en-US" dirty="0" smtClean="0"/>
+              <a:t>/lib/</a:t>
+            </a:r>
+            <a:r>
+              <a:rPr lang="en-US" dirty="0" err="1" smtClean="0"/>
+              <a:t>docker</a:t>
+            </a:r>
+            <a:r>
+              <a:rPr lang="en-US" dirty="0" smtClean="0"/>
+              <a:t>/volumes/3a347b6033c70bda7a847112b55e0a9563fabb210744fcdd216d736fca65f1d6/_data</a:t>
+            </a:r>
+            <a:endParaRPr lang="en-US" dirty="0"/>
+          </a:p>
+        </p:txBody>
+      </p:sp>
+      <p:sp>
+        <p:nvSpPr>
+          <p:cNvPr id="8" name="Right Arrow 7"/>
+          <p:cNvSpPr/>
+          <p:nvPr/>
+        </p:nvSpPr>
+        <p:spPr>
+          <a:xfrm rot="5400000">
+            <a:off x="5905500" y="2667000"/>
+            <a:ext cx="1295400" cy="1066800"/>
+          </a:xfrm>
+          <a:prstGeom prst="rightArrow">
+            <a:avLst>
+              <a:gd name="adj1" fmla="val 50000"/>
+              <a:gd name="adj2" fmla="val 47857"/>
+            </a:avLst>
+          </a:prstGeom>
+        </p:spPr>
+        <p:style>
+          <a:lnRef idx="2">
+            <a:schemeClr val="accent1">
+              <a:shade val="50000"/>
+            </a:schemeClr>
+          </a:lnRef>
+          <a:fillRef idx="1">
+            <a:schemeClr val="accent1"/>
+          </a:fillRef>
+          <a:effectRef idx="0">
+            <a:schemeClr val="accent1"/>
+          </a:effectRef>
+          <a:fontRef idx="minor">
+            <a:schemeClr val="lt1"/>
+          </a:fontRef>
+        </p:style>
+        <p:txBody>
+          <a:bodyPr rtlCol="0" anchor="ctr"/>
+          <a:lstStyle/>
+          <a:p>
+            <a:pPr algn="ctr"/>
+            <a:endParaRPr lang="en-US"/>
           </a:p>
         </p:txBody>
       </p:sp>
